--- a/Revisiting the Command Line.pptx
+++ b/Revisiting the Command Line.pptx
@@ -335,7 +335,7 @@
           <a:p>
             <a:fld id="{D85AC8A2-C63C-49A4-89E9-2E4420D2ECA8}" type="datetimeFigureOut">
               <a:rPr lang="en-US" smtClean="0"/>
-              <a:t>11/20/16</a:t>
+              <a:t>11/22/16</a:t>
             </a:fld>
             <a:endParaRPr lang="en-US"/>
           </a:p>
@@ -767,7 +767,7 @@
           <a:p>
             <a:fld id="{D85AC8A2-C63C-49A4-89E9-2E4420D2ECA8}" type="datetimeFigureOut">
               <a:rPr lang="en-US" smtClean="0"/>
-              <a:t>11/20/16</a:t>
+              <a:t>11/22/16</a:t>
             </a:fld>
             <a:endParaRPr lang="en-US"/>
           </a:p>
@@ -1168,7 +1168,7 @@
           <a:p>
             <a:fld id="{D85AC8A2-C63C-49A4-89E9-2E4420D2ECA8}" type="datetimeFigureOut">
               <a:rPr lang="en-US" smtClean="0"/>
-              <a:t>11/20/16</a:t>
+              <a:t>11/22/16</a:t>
             </a:fld>
             <a:endParaRPr lang="en-US"/>
           </a:p>
@@ -1281,7 +1281,7 @@
           <a:p>
             <a:fld id="{D85AC8A2-C63C-49A4-89E9-2E4420D2ECA8}" type="datetimeFigureOut">
               <a:rPr lang="en-US" smtClean="0"/>
-              <a:t>11/20/16</a:t>
+              <a:t>11/22/16</a:t>
             </a:fld>
             <a:endParaRPr lang="en-US"/>
           </a:p>
@@ -1545,7 +1545,7 @@
           <a:p>
             <a:fld id="{D85AC8A2-C63C-49A4-89E9-2E4420D2ECA8}" type="datetimeFigureOut">
               <a:rPr lang="en-US" smtClean="0"/>
-              <a:t>11/20/16</a:t>
+              <a:t>11/22/16</a:t>
             </a:fld>
             <a:endParaRPr lang="en-US"/>
           </a:p>
@@ -1785,7 +1785,7 @@
           <a:p>
             <a:fld id="{D85AC8A2-C63C-49A4-89E9-2E4420D2ECA8}" type="datetimeFigureOut">
               <a:rPr lang="en-US" smtClean="0"/>
-              <a:t>11/20/16</a:t>
+              <a:t>11/22/16</a:t>
             </a:fld>
             <a:endParaRPr lang="en-US"/>
           </a:p>
@@ -2028,7 +2028,7 @@
           <a:p>
             <a:fld id="{D85AC8A2-C63C-49A4-89E9-2E4420D2ECA8}" type="datetimeFigureOut">
               <a:rPr lang="en-US" smtClean="0"/>
-              <a:t>11/20/16</a:t>
+              <a:t>11/22/16</a:t>
             </a:fld>
             <a:endParaRPr lang="en-US"/>
           </a:p>
@@ -2300,7 +2300,7 @@
           <a:p>
             <a:fld id="{D85AC8A2-C63C-49A4-89E9-2E4420D2ECA8}" type="datetimeFigureOut">
               <a:rPr lang="en-US" smtClean="0"/>
-              <a:t>11/20/16</a:t>
+              <a:t>11/22/16</a:t>
             </a:fld>
             <a:endParaRPr lang="en-US"/>
           </a:p>
@@ -2703,7 +2703,7 @@
           <a:p>
             <a:fld id="{D85AC8A2-C63C-49A4-89E9-2E4420D2ECA8}" type="datetimeFigureOut">
               <a:rPr lang="en-US" smtClean="0"/>
-              <a:t>11/20/16</a:t>
+              <a:t>11/22/16</a:t>
             </a:fld>
             <a:endParaRPr lang="en-US"/>
           </a:p>
@@ -3044,7 +3044,7 @@
           <a:p>
             <a:fld id="{D85AC8A2-C63C-49A4-89E9-2E4420D2ECA8}" type="datetimeFigureOut">
               <a:rPr lang="en-US" smtClean="0"/>
-              <a:t>11/20/16</a:t>
+              <a:t>11/22/16</a:t>
             </a:fld>
             <a:endParaRPr lang="en-US"/>
           </a:p>
@@ -3529,7 +3529,7 @@
           <a:p>
             <a:fld id="{D85AC8A2-C63C-49A4-89E9-2E4420D2ECA8}" type="datetimeFigureOut">
               <a:rPr lang="en-US" smtClean="0"/>
-              <a:t>11/20/16</a:t>
+              <a:t>11/22/16</a:t>
             </a:fld>
             <a:endParaRPr lang="en-US"/>
           </a:p>
@@ -3666,7 +3666,7 @@
           <a:p>
             <a:fld id="{D85AC8A2-C63C-49A4-89E9-2E4420D2ECA8}" type="datetimeFigureOut">
               <a:rPr lang="en-US" smtClean="0"/>
-              <a:t>11/20/16</a:t>
+              <a:t>11/22/16</a:t>
             </a:fld>
             <a:endParaRPr lang="en-US"/>
           </a:p>
@@ -3813,7 +3813,7 @@
           <a:p>
             <a:fld id="{D85AC8A2-C63C-49A4-89E9-2E4420D2ECA8}" type="datetimeFigureOut">
               <a:rPr lang="en-US" smtClean="0"/>
-              <a:t>11/20/16</a:t>
+              <a:t>11/22/16</a:t>
             </a:fld>
             <a:endParaRPr lang="en-US"/>
           </a:p>
@@ -4194,7 +4194,7 @@
           <a:p>
             <a:fld id="{D85AC8A2-C63C-49A4-89E9-2E4420D2ECA8}" type="datetimeFigureOut">
               <a:rPr lang="en-US" smtClean="0"/>
-              <a:t>11/20/16</a:t>
+              <a:t>11/22/16</a:t>
             </a:fld>
             <a:endParaRPr lang="en-US"/>
           </a:p>
@@ -4490,7 +4490,7 @@
           <a:p>
             <a:fld id="{D85AC8A2-C63C-49A4-89E9-2E4420D2ECA8}" type="datetimeFigureOut">
               <a:rPr lang="en-US" smtClean="0"/>
-              <a:t>11/20/16</a:t>
+              <a:t>11/22/16</a:t>
             </a:fld>
             <a:endParaRPr lang="en-US"/>
           </a:p>
@@ -5050,6 +5050,13 @@
   <p:clrMapOvr>
     <a:masterClrMapping/>
   </p:clrMapOvr>
+  <p:timing>
+    <p:tnLst>
+      <p:par>
+        <p:cTn xmlns:p14="http://schemas.microsoft.com/office/powerpoint/2010/main" id="1" dur="indefinite" restart="never" nodeType="tmRoot"/>
+      </p:par>
+    </p:tnLst>
+  </p:timing>
 </p:sld>
 </file>
 
@@ -5251,6 +5258,13 @@
   <p:clrMapOvr>
     <a:masterClrMapping/>
   </p:clrMapOvr>
+  <p:timing>
+    <p:tnLst>
+      <p:par>
+        <p:cTn xmlns:p14="http://schemas.microsoft.com/office/powerpoint/2010/main" id="1" dur="indefinite" restart="never" nodeType="tmRoot"/>
+      </p:par>
+    </p:tnLst>
+  </p:timing>
 </p:sld>
 </file>
 
@@ -5385,8 +5399,9 @@
             </a:r>
             <a:r>
               <a:rPr lang="en-US" sz="2000" dirty="0" smtClean="0"/>
-              <a:t>4</a:t>
-            </a:r>
+              <a:t>4’</a:t>
+            </a:r>
+            <a:endParaRPr lang="en-US" sz="2000" dirty="0" smtClean="0"/>
           </a:p>
           <a:p>
             <a:pPr marL="0" indent="0">
@@ -5596,6 +5611,13 @@
   <p:clrMapOvr>
     <a:masterClrMapping/>
   </p:clrMapOvr>
+  <p:timing>
+    <p:tnLst>
+      <p:par>
+        <p:cTn xmlns:p14="http://schemas.microsoft.com/office/powerpoint/2010/main" id="1" dur="indefinite" restart="never" nodeType="tmRoot"/>
+      </p:par>
+    </p:tnLst>
+  </p:timing>
 </p:sld>
 </file>
 
@@ -5849,6 +5871,13 @@
   <p:clrMapOvr>
     <a:masterClrMapping/>
   </p:clrMapOvr>
+  <p:timing>
+    <p:tnLst>
+      <p:par>
+        <p:cTn xmlns:p14="http://schemas.microsoft.com/office/powerpoint/2010/main" id="1" dur="indefinite" restart="never" nodeType="tmRoot"/>
+      </p:par>
+    </p:tnLst>
+  </p:timing>
 </p:sld>
 </file>
 
@@ -6098,6 +6127,13 @@
   <p:clrMapOvr>
     <a:masterClrMapping/>
   </p:clrMapOvr>
+  <p:timing>
+    <p:tnLst>
+      <p:par>
+        <p:cTn xmlns:p14="http://schemas.microsoft.com/office/powerpoint/2010/main" id="1" dur="indefinite" restart="never" nodeType="tmRoot"/>
+      </p:par>
+    </p:tnLst>
+  </p:timing>
 </p:sld>
 </file>
 
@@ -6225,6 +6261,13 @@
   <p:clrMapOvr>
     <a:masterClrMapping/>
   </p:clrMapOvr>
+  <p:timing>
+    <p:tnLst>
+      <p:par>
+        <p:cTn xmlns:p14="http://schemas.microsoft.com/office/powerpoint/2010/main" id="1" dur="indefinite" restart="never" nodeType="tmRoot"/>
+      </p:par>
+    </p:tnLst>
+  </p:timing>
 </p:sld>
 </file>
 
@@ -7208,6 +7251,13 @@
   <p:clrMapOvr>
     <a:masterClrMapping/>
   </p:clrMapOvr>
+  <p:timing>
+    <p:tnLst>
+      <p:par>
+        <p:cTn xmlns:p14="http://schemas.microsoft.com/office/powerpoint/2010/main" id="1" dur="indefinite" restart="never" nodeType="tmRoot"/>
+      </p:par>
+    </p:tnLst>
+  </p:timing>
 </p:sld>
 </file>
 
@@ -7286,6 +7336,13 @@
   <p:clrMapOvr>
     <a:masterClrMapping/>
   </p:clrMapOvr>
+  <p:timing>
+    <p:tnLst>
+      <p:par>
+        <p:cTn xmlns:p14="http://schemas.microsoft.com/office/powerpoint/2010/main" id="1" dur="indefinite" restart="never" nodeType="tmRoot"/>
+      </p:par>
+    </p:tnLst>
+  </p:timing>
 </p:sld>
 </file>
 
@@ -7440,6 +7497,13 @@
   <p:clrMapOvr>
     <a:masterClrMapping/>
   </p:clrMapOvr>
+  <p:timing>
+    <p:tnLst>
+      <p:par>
+        <p:cTn xmlns:p14="http://schemas.microsoft.com/office/powerpoint/2010/main" id="1" dur="indefinite" restart="never" nodeType="tmRoot"/>
+      </p:par>
+    </p:tnLst>
+  </p:timing>
 </p:sld>
 </file>
 
